--- a/machine learning algorithms/code/data presentation.pptx
+++ b/machine learning algorithms/code/data presentation.pptx
@@ -106,6 +106,11 @@
       </a:defRPr>
     </a:lvl9pPr>
   </p:defaultTextStyle>
+  <p:extLst>
+    <p:ext uri="{EFAFB233-063F-42B5-8137-9DF3F51BA10A}">
+      <p15:sldGuideLst xmlns:p15="http://schemas.microsoft.com/office/powerpoint/2012/main"/>
+    </p:ext>
+  </p:extLst>
 </p:presentation>
 </file>
 
@@ -258,7 +263,7 @@
           <a:p>
             <a:fld id="{ACBFEBB0-3E23-43DC-9AB8-7AF29B2AB3C7}" type="datetimeFigureOut">
               <a:rPr lang="en-CA" smtClean="0"/>
-              <a:t>2023-10-11</a:t>
+              <a:t>2023-10-19</a:t>
             </a:fld>
             <a:endParaRPr lang="en-CA"/>
           </a:p>
@@ -458,7 +463,7 @@
           <a:p>
             <a:fld id="{ACBFEBB0-3E23-43DC-9AB8-7AF29B2AB3C7}" type="datetimeFigureOut">
               <a:rPr lang="en-CA" smtClean="0"/>
-              <a:t>2023-10-11</a:t>
+              <a:t>2023-10-19</a:t>
             </a:fld>
             <a:endParaRPr lang="en-CA"/>
           </a:p>
@@ -668,7 +673,7 @@
           <a:p>
             <a:fld id="{ACBFEBB0-3E23-43DC-9AB8-7AF29B2AB3C7}" type="datetimeFigureOut">
               <a:rPr lang="en-CA" smtClean="0"/>
-              <a:t>2023-10-11</a:t>
+              <a:t>2023-10-19</a:t>
             </a:fld>
             <a:endParaRPr lang="en-CA"/>
           </a:p>
@@ -868,7 +873,7 @@
           <a:p>
             <a:fld id="{ACBFEBB0-3E23-43DC-9AB8-7AF29B2AB3C7}" type="datetimeFigureOut">
               <a:rPr lang="en-CA" smtClean="0"/>
-              <a:t>2023-10-11</a:t>
+              <a:t>2023-10-19</a:t>
             </a:fld>
             <a:endParaRPr lang="en-CA"/>
           </a:p>
@@ -1144,7 +1149,7 @@
           <a:p>
             <a:fld id="{ACBFEBB0-3E23-43DC-9AB8-7AF29B2AB3C7}" type="datetimeFigureOut">
               <a:rPr lang="en-CA" smtClean="0"/>
-              <a:t>2023-10-11</a:t>
+              <a:t>2023-10-19</a:t>
             </a:fld>
             <a:endParaRPr lang="en-CA"/>
           </a:p>
@@ -1412,7 +1417,7 @@
           <a:p>
             <a:fld id="{ACBFEBB0-3E23-43DC-9AB8-7AF29B2AB3C7}" type="datetimeFigureOut">
               <a:rPr lang="en-CA" smtClean="0"/>
-              <a:t>2023-10-11</a:t>
+              <a:t>2023-10-19</a:t>
             </a:fld>
             <a:endParaRPr lang="en-CA"/>
           </a:p>
@@ -1827,7 +1832,7 @@
           <a:p>
             <a:fld id="{ACBFEBB0-3E23-43DC-9AB8-7AF29B2AB3C7}" type="datetimeFigureOut">
               <a:rPr lang="en-CA" smtClean="0"/>
-              <a:t>2023-10-11</a:t>
+              <a:t>2023-10-19</a:t>
             </a:fld>
             <a:endParaRPr lang="en-CA"/>
           </a:p>
@@ -1969,7 +1974,7 @@
           <a:p>
             <a:fld id="{ACBFEBB0-3E23-43DC-9AB8-7AF29B2AB3C7}" type="datetimeFigureOut">
               <a:rPr lang="en-CA" smtClean="0"/>
-              <a:t>2023-10-11</a:t>
+              <a:t>2023-10-19</a:t>
             </a:fld>
             <a:endParaRPr lang="en-CA"/>
           </a:p>
@@ -2082,7 +2087,7 @@
           <a:p>
             <a:fld id="{ACBFEBB0-3E23-43DC-9AB8-7AF29B2AB3C7}" type="datetimeFigureOut">
               <a:rPr lang="en-CA" smtClean="0"/>
-              <a:t>2023-10-11</a:t>
+              <a:t>2023-10-19</a:t>
             </a:fld>
             <a:endParaRPr lang="en-CA"/>
           </a:p>
@@ -2395,7 +2400,7 @@
           <a:p>
             <a:fld id="{ACBFEBB0-3E23-43DC-9AB8-7AF29B2AB3C7}" type="datetimeFigureOut">
               <a:rPr lang="en-CA" smtClean="0"/>
-              <a:t>2023-10-11</a:t>
+              <a:t>2023-10-19</a:t>
             </a:fld>
             <a:endParaRPr lang="en-CA"/>
           </a:p>
@@ -2684,7 +2689,7 @@
           <a:p>
             <a:fld id="{ACBFEBB0-3E23-43DC-9AB8-7AF29B2AB3C7}" type="datetimeFigureOut">
               <a:rPr lang="en-CA" smtClean="0"/>
-              <a:t>2023-10-11</a:t>
+              <a:t>2023-10-19</a:t>
             </a:fld>
             <a:endParaRPr lang="en-CA"/>
           </a:p>
@@ -2927,7 +2932,7 @@
           <a:p>
             <a:fld id="{ACBFEBB0-3E23-43DC-9AB8-7AF29B2AB3C7}" type="datetimeFigureOut">
               <a:rPr lang="en-CA" smtClean="0"/>
-              <a:t>2023-10-11</a:t>
+              <a:t>2023-10-19</a:t>
             </a:fld>
             <a:endParaRPr lang="en-CA"/>
           </a:p>
@@ -3389,11 +3394,16 @@
           </p:cNvGraphicFramePr>
           <p:nvPr>
             <p:ph idx="1"/>
+            <p:extLst>
+              <p:ext uri="{D42A27DB-BD31-4B8C-83A1-F6EECF244321}">
+                <p14:modId xmlns:p14="http://schemas.microsoft.com/office/powerpoint/2010/main" val="1970008710"/>
+              </p:ext>
+            </p:extLst>
           </p:nvPr>
         </p:nvGraphicFramePr>
         <p:xfrm>
-          <a:off x="3093945" y="2004920"/>
-          <a:ext cx="6694445" cy="3655955"/>
+          <a:off x="2571431" y="1519728"/>
+          <a:ext cx="6694445" cy="4473778"/>
         </p:xfrm>
         <a:graphic>
           <a:graphicData uri="http://schemas.openxmlformats.org/drawingml/2006/table">
@@ -3673,6 +3683,75 @@
                   </a:ext>
                 </a:extLst>
               </a:tr>
+              <a:tr h="817823">
+                <a:tc>
+                  <a:txBody>
+                    <a:bodyPr/>
+                    <a:lstStyle/>
+                    <a:p>
+                      <a:pPr algn="ctr"/>
+                      <a:r>
+                        <a:rPr lang="en-US" dirty="0"/>
+                        <a:t>Raspberry Pi Zero</a:t>
+                      </a:r>
+                    </a:p>
+                  </a:txBody>
+                  <a:tcPr/>
+                </a:tc>
+                <a:tc>
+                  <a:txBody>
+                    <a:bodyPr/>
+                    <a:lstStyle/>
+                    <a:p>
+                      <a:pPr marL="0" marR="0" lvl="0" indent="0" algn="ctr" defTabSz="914400" rtl="0" eaLnBrk="1" fontAlgn="auto" latinLnBrk="0" hangingPunct="1">
+                        <a:lnSpc>
+                          <a:spcPct val="100000"/>
+                        </a:lnSpc>
+                        <a:spcBef>
+                          <a:spcPts val="0"/>
+                        </a:spcBef>
+                        <a:spcAft>
+                          <a:spcPts val="0"/>
+                        </a:spcAft>
+                        <a:buClrTx/>
+                        <a:buSzTx/>
+                        <a:buFontTx/>
+                        <a:buNone/>
+                        <a:tabLst/>
+                        <a:defRPr/>
+                      </a:pPr>
+                      <a:r>
+                        <a:rPr lang="en-US" dirty="0"/>
+                        <a:t>Open CV (CC)</a:t>
+                      </a:r>
+                    </a:p>
+                    <a:p>
+                      <a:pPr algn="ctr"/>
+                      <a:endParaRPr lang="en-US" dirty="0"/>
+                    </a:p>
+                  </a:txBody>
+                  <a:tcPr/>
+                </a:tc>
+                <a:tc>
+                  <a:txBody>
+                    <a:bodyPr/>
+                    <a:lstStyle/>
+                    <a:p>
+                      <a:pPr algn="ctr"/>
+                      <a:r>
+                        <a:rPr lang="en-US" dirty="0"/>
+                        <a:t>2.41</a:t>
+                      </a:r>
+                    </a:p>
+                  </a:txBody>
+                  <a:tcPr/>
+                </a:tc>
+                <a:extLst>
+                  <a:ext uri="{0D108BD9-81ED-4DB2-BD59-A6C34878D82A}">
+                    <a16:rowId xmlns:a16="http://schemas.microsoft.com/office/drawing/2014/main" val="736676113"/>
+                  </a:ext>
+                </a:extLst>
+              </a:tr>
             </a:tbl>
           </a:graphicData>
         </a:graphic>
@@ -3691,8 +3770,8 @@
         </p:nvSpPr>
         <p:spPr>
           <a:xfrm>
-            <a:off x="3134993" y="5976959"/>
-            <a:ext cx="4852599" cy="646331"/>
+            <a:off x="2571431" y="6219555"/>
+            <a:ext cx="6112139" cy="369332"/>
           </a:xfrm>
           <a:prstGeom prst="rect">
             <a:avLst/>
@@ -3788,11 +3867,17 @@
           <p:cNvGraphicFramePr>
             <a:graphicFrameLocks noGrp="1"/>
           </p:cNvGraphicFramePr>
-          <p:nvPr/>
+          <p:nvPr>
+            <p:extLst>
+              <p:ext uri="{D42A27DB-BD31-4B8C-83A1-F6EECF244321}">
+                <p14:modId xmlns:p14="http://schemas.microsoft.com/office/powerpoint/2010/main" val="1391852331"/>
+              </p:ext>
+            </p:extLst>
+          </p:nvPr>
         </p:nvGraphicFramePr>
         <p:xfrm>
           <a:off x="1633903" y="1956288"/>
-          <a:ext cx="4722202" cy="3039258"/>
+          <a:ext cx="4722202" cy="3838984"/>
         </p:xfrm>
         <a:graphic>
           <a:graphicData uri="http://schemas.openxmlformats.org/drawingml/2006/table">
@@ -4014,7 +4099,7 @@
                       <a:pPr lvl="0">
                         <a:buNone/>
                       </a:pPr>
-                      <a:endParaRPr lang="en-US"/>
+                      <a:endParaRPr lang="en-US" dirty="0"/>
                     </a:p>
                   </a:txBody>
                   <a:tcPr/>
@@ -4054,6 +4139,75 @@
                 <a:extLst>
                   <a:ext uri="{0D108BD9-81ED-4DB2-BD59-A6C34878D82A}">
                     <a16:rowId xmlns:a16="http://schemas.microsoft.com/office/drawing/2014/main" val="1286258077"/>
+                  </a:ext>
+                </a:extLst>
+              </a:tr>
+              <a:tr h="799726">
+                <a:tc>
+                  <a:txBody>
+                    <a:bodyPr/>
+                    <a:lstStyle/>
+                    <a:p>
+                      <a:pPr marL="0" marR="0" lvl="0" indent="0" algn="l" defTabSz="914400" rtl="0" eaLnBrk="1" fontAlgn="auto" latinLnBrk="0" hangingPunct="1">
+                        <a:lnSpc>
+                          <a:spcPct val="100000"/>
+                        </a:lnSpc>
+                        <a:spcBef>
+                          <a:spcPts val="0"/>
+                        </a:spcBef>
+                        <a:spcAft>
+                          <a:spcPts val="0"/>
+                        </a:spcAft>
+                        <a:buClrTx/>
+                        <a:buSzTx/>
+                        <a:buFontTx/>
+                        <a:buNone/>
+                        <a:tabLst/>
+                        <a:defRPr/>
+                      </a:pPr>
+                      <a:r>
+                        <a:rPr lang="en-US" dirty="0"/>
+                        <a:t>Open CV (CC)</a:t>
+                      </a:r>
+                    </a:p>
+                  </a:txBody>
+                  <a:tcPr/>
+                </a:tc>
+                <a:tc>
+                  <a:txBody>
+                    <a:bodyPr/>
+                    <a:lstStyle/>
+                    <a:p>
+                      <a:pPr lvl="0">
+                        <a:buNone/>
+                      </a:pPr>
+                      <a:r>
+                        <a:rPr lang="en-US" dirty="0"/>
+                        <a:t>57.0 – 59.8</a:t>
+                      </a:r>
+                    </a:p>
+                  </a:txBody>
+                  <a:tcPr/>
+                </a:tc>
+                <a:tc>
+                  <a:txBody>
+                    <a:bodyPr/>
+                    <a:lstStyle/>
+                    <a:p>
+                      <a:pPr lvl="0">
+                        <a:buNone/>
+                      </a:pPr>
+                      <a:r>
+                        <a:rPr lang="en-US" dirty="0"/>
+                        <a:t>1.0 – 1.05</a:t>
+                      </a:r>
+                    </a:p>
+                  </a:txBody>
+                  <a:tcPr/>
+                </a:tc>
+                <a:extLst>
+                  <a:ext uri="{0D108BD9-81ED-4DB2-BD59-A6C34878D82A}">
+                    <a16:rowId xmlns:a16="http://schemas.microsoft.com/office/drawing/2014/main" val="138887360"/>
                   </a:ext>
                 </a:extLst>
               </a:tr>
